--- a/Presentations/SIMF_OMG_201606.pptx
+++ b/Presentations/SIMF_OMG_201606.pptx
@@ -5,10 +5,10 @@
     <p:sldMasterId id="2147483684" r:id="rId1"/>
   </p:sldMasterIdLst>
   <p:notesMasterIdLst>
-    <p:notesMasterId r:id="rId29"/>
+    <p:notesMasterId r:id="rId30"/>
   </p:notesMasterIdLst>
   <p:handoutMasterIdLst>
-    <p:handoutMasterId r:id="rId30"/>
+    <p:handoutMasterId r:id="rId31"/>
   </p:handoutMasterIdLst>
   <p:sldIdLst>
     <p:sldId id="456" r:id="rId2"/>
@@ -35,9 +35,10 @@
     <p:sldId id="473" r:id="rId23"/>
     <p:sldId id="474" r:id="rId24"/>
     <p:sldId id="475" r:id="rId25"/>
-    <p:sldId id="467" r:id="rId26"/>
-    <p:sldId id="468" r:id="rId27"/>
-    <p:sldId id="472" r:id="rId28"/>
+    <p:sldId id="486" r:id="rId26"/>
+    <p:sldId id="467" r:id="rId27"/>
+    <p:sldId id="468" r:id="rId28"/>
+    <p:sldId id="472" r:id="rId29"/>
   </p:sldIdLst>
   <p:sldSz cx="9144000" cy="6858000" type="screen4x3"/>
   <p:notesSz cx="6954838" cy="9240838"/>
@@ -240,7 +241,7 @@
           <a:p>
             <a:fld id="{38E3837F-7B40-4B98-90A9-C161BB7B8FD2}" type="datetimeFigureOut">
               <a:rPr lang="en-US" smtClean="0"/>
-              <a:t>6/19/2016</a:t>
+              <a:t>6/21/2016</a:t>
             </a:fld>
             <a:endParaRPr lang="en-US"/>
           </a:p>
@@ -405,7 +406,7 @@
           <a:p>
             <a:fld id="{C40E5A84-7D87-452D-8FE3-23F521AC3943}" type="datetimeFigureOut">
               <a:rPr lang="en-US" smtClean="0"/>
-              <a:t>6/19/2016</a:t>
+              <a:t>6/21/2016</a:t>
             </a:fld>
             <a:endParaRPr lang="en-US"/>
           </a:p>
@@ -670,6 +671,90 @@
     </a:lvl9pPr>
   </p:notesStyle>
 </p:notesMaster>
+</file>
+
+<file path=ppt/notesSlides/notesSlide1.xml><?xml version="1.0" encoding="utf-8"?>
+<p:notes xmlns:a="http://schemas.openxmlformats.org/drawingml/2006/main" xmlns:r="http://schemas.openxmlformats.org/officeDocument/2006/relationships" xmlns:p="http://schemas.openxmlformats.org/presentationml/2006/main">
+  <p:cSld>
+    <p:spTree>
+      <p:nvGrpSpPr>
+        <p:cNvPr id="1" name=""/>
+        <p:cNvGrpSpPr/>
+        <p:nvPr/>
+      </p:nvGrpSpPr>
+      <p:grpSpPr>
+        <a:xfrm>
+          <a:off x="0" y="0"/>
+          <a:ext cx="0" cy="0"/>
+          <a:chOff x="0" y="0"/>
+          <a:chExt cx="0" cy="0"/>
+        </a:xfrm>
+      </p:grpSpPr>
+      <p:sp>
+        <p:nvSpPr>
+          <p:cNvPr id="2" name="Slide Image Placeholder 1"/>
+          <p:cNvSpPr>
+            <a:spLocks noGrp="1" noRot="1" noChangeAspect="1"/>
+          </p:cNvSpPr>
+          <p:nvPr>
+            <p:ph type="sldImg"/>
+          </p:nvPr>
+        </p:nvSpPr>
+        <p:spPr/>
+      </p:sp>
+      <p:sp>
+        <p:nvSpPr>
+          <p:cNvPr id="3" name="Notes Placeholder 2"/>
+          <p:cNvSpPr>
+            <a:spLocks noGrp="1"/>
+          </p:cNvSpPr>
+          <p:nvPr>
+            <p:ph type="body" idx="1"/>
+          </p:nvPr>
+        </p:nvSpPr>
+        <p:spPr/>
+        <p:txBody>
+          <a:bodyPr/>
+          <a:lstStyle/>
+          <a:p>
+            <a:endParaRPr lang="en-US" dirty="0"/>
+          </a:p>
+        </p:txBody>
+      </p:sp>
+      <p:sp>
+        <p:nvSpPr>
+          <p:cNvPr id="4" name="Slide Number Placeholder 3"/>
+          <p:cNvSpPr>
+            <a:spLocks noGrp="1"/>
+          </p:cNvSpPr>
+          <p:nvPr>
+            <p:ph type="sldNum" sz="quarter" idx="10"/>
+          </p:nvPr>
+        </p:nvSpPr>
+        <p:spPr/>
+        <p:txBody>
+          <a:bodyPr/>
+          <a:lstStyle/>
+          <a:p>
+            <a:fld id="{9EC3DDEA-0647-42E3-B21A-D8FF77E39598}" type="slidenum">
+              <a:rPr lang="en-US" smtClean="0"/>
+              <a:t>1</a:t>
+            </a:fld>
+            <a:endParaRPr lang="en-US"/>
+          </a:p>
+        </p:txBody>
+      </p:sp>
+    </p:spTree>
+    <p:extLst>
+      <p:ext uri="{BB962C8B-B14F-4D97-AF65-F5344CB8AC3E}">
+        <p14:creationId xmlns:p14="http://schemas.microsoft.com/office/powerpoint/2010/main" val="1772182381"/>
+      </p:ext>
+    </p:extLst>
+  </p:cSld>
+  <p:clrMapOvr>
+    <a:masterClrMapping/>
+  </p:clrMapOvr>
+</p:notes>
 </file>
 
 <file path=ppt/slideLayouts/slideLayout1.xml><?xml version="1.0" encoding="utf-8"?>
@@ -4552,7 +4637,7 @@
         </p:nvSpPr>
         <p:spPr>
           <a:xfrm>
-            <a:off x="-1" y="4648200"/>
+            <a:off x="1859" y="4612889"/>
             <a:ext cx="9171709" cy="2209799"/>
           </a:xfrm>
           <a:prstGeom prst="rect">
@@ -4599,19 +4684,28 @@
         </p:nvSpPr>
         <p:spPr>
           <a:xfrm>
-            <a:off x="228600" y="2828050"/>
-            <a:ext cx="8540472" cy="1368798"/>
+            <a:off x="228600" y="3048280"/>
+            <a:ext cx="8540472" cy="1148568"/>
           </a:xfrm>
         </p:spPr>
         <p:txBody>
           <a:bodyPr>
-            <a:normAutofit/>
+            <a:normAutofit fontScale="92500" lnSpcReduction="20000"/>
           </a:bodyPr>
           <a:lstStyle/>
           <a:p>
             <a:r>
               <a:rPr lang="en-US" dirty="0"/>
-              <a:t>Cory Casanave </a:t>
+              <a:t>Cory Casanave</a:t>
+            </a:r>
+          </a:p>
+          <a:p>
+            <a:endParaRPr lang="en-US" dirty="0"/>
+          </a:p>
+          <a:p>
+            <a:r>
+              <a:rPr lang="en-US" dirty="0"/>
+              <a:t>Jim Logan 		(jlogan@nomagic.com)</a:t>
             </a:r>
           </a:p>
         </p:txBody>
@@ -4654,7 +4748,7 @@
           <p:nvPr/>
         </p:nvPicPr>
         <p:blipFill>
-          <a:blip r:embed="rId2" cstate="print">
+          <a:blip r:embed="rId3" cstate="print">
             <a:extLst>
               <a:ext uri="{28A0092B-C50C-407E-A947-70E740481C1C}">
                 <a14:useLocalDpi xmlns:a14="http://schemas.microsoft.com/office/drawing/2010/main" val="0"/>
@@ -4751,7 +4845,7 @@
           <p:nvPr/>
         </p:nvPicPr>
         <p:blipFill>
-          <a:blip r:embed="rId3">
+          <a:blip r:embed="rId4">
             <a:extLst>
               <a:ext uri="{28A0092B-C50C-407E-A947-70E740481C1C}">
                 <a14:useLocalDpi xmlns:a14="http://schemas.microsoft.com/office/drawing/2010/main" val="0"/>
@@ -4765,7 +4859,7 @@
         </p:blipFill>
         <p:spPr bwMode="auto">
           <a:xfrm>
-            <a:off x="2900652" y="2882777"/>
+            <a:off x="3069838" y="3077403"/>
             <a:ext cx="4095750" cy="333375"/>
           </a:xfrm>
           <a:prstGeom prst="rect">
@@ -4806,6 +4900,55 @@
           </a:extLst>
         </p:spPr>
       </p:pic>
+      <p:sp>
+        <p:nvSpPr>
+          <p:cNvPr id="8" name="TextBox 7"/>
+          <p:cNvSpPr txBox="1"/>
+          <p:nvPr/>
+        </p:nvSpPr>
+        <p:spPr>
+          <a:xfrm>
+            <a:off x="5486400" y="5287723"/>
+            <a:ext cx="3429000" cy="646331"/>
+          </a:xfrm>
+          <a:prstGeom prst="rect">
+            <a:avLst/>
+          </a:prstGeom>
+          <a:noFill/>
+        </p:spPr>
+        <p:txBody>
+          <a:bodyPr wrap="square" rtlCol="0">
+            <a:spAutoFit/>
+          </a:bodyPr>
+          <a:lstStyle/>
+          <a:p>
+            <a:r>
+              <a:rPr lang="en-US" dirty="0">
+                <a:solidFill>
+                  <a:schemeClr val="bg1"/>
+                </a:solidFill>
+              </a:rPr>
+              <a:t>With Examples in </a:t>
+            </a:r>
+            <a:r>
+              <a:rPr lang="en-US">
+                <a:solidFill>
+                  <a:schemeClr val="bg1"/>
+                </a:solidFill>
+              </a:rPr>
+              <a:t>Cameo Concept </a:t>
+            </a:r>
+            <a:r>
+              <a:rPr lang="en-US" dirty="0">
+                <a:solidFill>
+                  <a:schemeClr val="bg1"/>
+                </a:solidFill>
+              </a:rPr>
+              <a:t>Modeler</a:t>
+            </a:r>
+          </a:p>
+        </p:txBody>
+      </p:sp>
     </p:spTree>
     <p:extLst>
       <p:ext uri="{BB962C8B-B14F-4D97-AF65-F5344CB8AC3E}">
@@ -8079,6 +8222,43 @@
           </a:p>
         </p:txBody>
       </p:sp>
+      <p:sp>
+        <p:nvSpPr>
+          <p:cNvPr id="6" name="TextBox 5"/>
+          <p:cNvSpPr txBox="1"/>
+          <p:nvPr/>
+        </p:nvSpPr>
+        <p:spPr>
+          <a:xfrm>
+            <a:off x="0" y="115669"/>
+            <a:ext cx="2038351" cy="707886"/>
+          </a:xfrm>
+          <a:prstGeom prst="rect">
+            <a:avLst/>
+          </a:prstGeom>
+          <a:solidFill>
+            <a:schemeClr val="bg1"/>
+          </a:solidFill>
+        </p:spPr>
+        <p:txBody>
+          <a:bodyPr wrap="square" rtlCol="0">
+            <a:spAutoFit/>
+          </a:bodyPr>
+          <a:lstStyle/>
+          <a:p>
+            <a:r>
+              <a:rPr lang="en-US" sz="2000" dirty="0"/>
+              <a:t>Rules</a:t>
+            </a:r>
+          </a:p>
+          <a:p>
+            <a:r>
+              <a:rPr lang="en-US" sz="2000" dirty="0"/>
+              <a:t>Type Constraints</a:t>
+            </a:r>
+          </a:p>
+        </p:txBody>
+      </p:sp>
     </p:spTree>
     <p:extLst>
       <p:ext uri="{BB962C8B-B14F-4D97-AF65-F5344CB8AC3E}">
@@ -8184,12 +8364,20 @@
             <p:ph type="title"/>
           </p:nvPr>
         </p:nvSpPr>
-        <p:spPr/>
+        <p:spPr>
+          <a:xfrm>
+            <a:off x="352426" y="0"/>
+            <a:ext cx="7680960" cy="968552"/>
+          </a:xfrm>
+        </p:spPr>
         <p:txBody>
           <a:bodyPr/>
           <a:lstStyle/>
           <a:p>
-            <a:endParaRPr lang="en-US"/>
+            <a:r>
+              <a:rPr lang="en-US" dirty="0"/>
+              <a:t>Property Constraints</a:t>
+            </a:r>
           </a:p>
         </p:txBody>
       </p:sp>
@@ -8249,6 +8437,29 @@
       </p:grpSpPr>
       <p:sp>
         <p:nvSpPr>
+          <p:cNvPr id="2" name="Date Placeholder 1"/>
+          <p:cNvSpPr>
+            <a:spLocks noGrp="1"/>
+          </p:cNvSpPr>
+          <p:nvPr>
+            <p:ph type="dt" sz="half" idx="10"/>
+          </p:nvPr>
+        </p:nvSpPr>
+        <p:spPr/>
+        <p:txBody>
+          <a:bodyPr/>
+          <a:lstStyle/>
+          <a:p>
+            <a:r>
+              <a:rPr lang="en-US"/>
+              <a:t>June 2016</a:t>
+            </a:r>
+            <a:endParaRPr lang="en-US" dirty="0"/>
+          </a:p>
+        </p:txBody>
+      </p:sp>
+      <p:sp>
+        <p:nvSpPr>
           <p:cNvPr id="3" name="Slide Number Placeholder 2"/>
           <p:cNvSpPr>
             <a:spLocks noGrp="1"/>
@@ -8265,6 +8476,131 @@
             <a:fld id="{987D7693-E132-40A2-A808-4CF056E677D9}" type="slidenum">
               <a:rPr lang="en-US" smtClean="0"/>
               <a:t>25</a:t>
+            </a:fld>
+            <a:endParaRPr lang="en-US" dirty="0"/>
+          </a:p>
+        </p:txBody>
+      </p:sp>
+      <p:sp>
+        <p:nvSpPr>
+          <p:cNvPr id="4" name="Footer Placeholder 3"/>
+          <p:cNvSpPr>
+            <a:spLocks noGrp="1"/>
+          </p:cNvSpPr>
+          <p:nvPr>
+            <p:ph type="ftr" sz="quarter" idx="12"/>
+          </p:nvPr>
+        </p:nvSpPr>
+        <p:spPr/>
+        <p:txBody>
+          <a:bodyPr/>
+          <a:lstStyle/>
+          <a:p>
+            <a:endParaRPr lang="en-US" dirty="0"/>
+          </a:p>
+        </p:txBody>
+      </p:sp>
+      <p:sp>
+        <p:nvSpPr>
+          <p:cNvPr id="5" name="Title 4"/>
+          <p:cNvSpPr>
+            <a:spLocks noGrp="1"/>
+          </p:cNvSpPr>
+          <p:nvPr>
+            <p:ph type="title"/>
+          </p:nvPr>
+        </p:nvSpPr>
+        <p:spPr>
+          <a:xfrm>
+            <a:off x="352426" y="228600"/>
+            <a:ext cx="7680960" cy="637282"/>
+          </a:xfrm>
+        </p:spPr>
+        <p:txBody>
+          <a:bodyPr>
+            <a:normAutofit fontScale="90000"/>
+          </a:bodyPr>
+          <a:lstStyle/>
+          <a:p>
+            <a:r>
+              <a:rPr lang="en-US" dirty="0"/>
+              <a:t>Mapping Rules</a:t>
+            </a:r>
+          </a:p>
+        </p:txBody>
+      </p:sp>
+      <p:pic>
+        <p:nvPicPr>
+          <p:cNvPr id="8" name="Picture 7"/>
+          <p:cNvPicPr>
+            <a:picLocks noChangeAspect="1"/>
+          </p:cNvPicPr>
+          <p:nvPr/>
+        </p:nvPicPr>
+        <p:blipFill>
+          <a:blip r:embed="rId2"/>
+          <a:stretch>
+            <a:fillRect/>
+          </a:stretch>
+        </p:blipFill>
+        <p:spPr>
+          <a:xfrm>
+            <a:off x="861589" y="865882"/>
+            <a:ext cx="7453968" cy="6133333"/>
+          </a:xfrm>
+          <a:prstGeom prst="rect">
+            <a:avLst/>
+          </a:prstGeom>
+        </p:spPr>
+      </p:pic>
+    </p:spTree>
+    <p:extLst>
+      <p:ext uri="{BB962C8B-B14F-4D97-AF65-F5344CB8AC3E}">
+        <p14:creationId xmlns:p14="http://schemas.microsoft.com/office/powerpoint/2010/main" val="3010134370"/>
+      </p:ext>
+    </p:extLst>
+  </p:cSld>
+  <p:clrMapOvr>
+    <a:masterClrMapping/>
+  </p:clrMapOvr>
+</p:sld>
+</file>
+
+<file path=ppt/slides/slide26.xml><?xml version="1.0" encoding="utf-8"?>
+<p:sld xmlns:a="http://schemas.openxmlformats.org/drawingml/2006/main" xmlns:r="http://schemas.openxmlformats.org/officeDocument/2006/relationships" xmlns:p="http://schemas.openxmlformats.org/presentationml/2006/main">
+  <p:cSld>
+    <p:spTree>
+      <p:nvGrpSpPr>
+        <p:cNvPr id="1" name=""/>
+        <p:cNvGrpSpPr/>
+        <p:nvPr/>
+      </p:nvGrpSpPr>
+      <p:grpSpPr>
+        <a:xfrm>
+          <a:off x="0" y="0"/>
+          <a:ext cx="0" cy="0"/>
+          <a:chOff x="0" y="0"/>
+          <a:chExt cx="0" cy="0"/>
+        </a:xfrm>
+      </p:grpSpPr>
+      <p:sp>
+        <p:nvSpPr>
+          <p:cNvPr id="3" name="Slide Number Placeholder 2"/>
+          <p:cNvSpPr>
+            <a:spLocks noGrp="1"/>
+          </p:cNvSpPr>
+          <p:nvPr>
+            <p:ph type="sldNum" sz="quarter" idx="11"/>
+          </p:nvPr>
+        </p:nvSpPr>
+        <p:spPr/>
+        <p:txBody>
+          <a:bodyPr/>
+          <a:lstStyle/>
+          <a:p>
+            <a:fld id="{987D7693-E132-40A2-A808-4CF056E677D9}" type="slidenum">
+              <a:rPr lang="en-US" smtClean="0"/>
+              <a:t>26</a:t>
             </a:fld>
             <a:endParaRPr lang="en-US" dirty="0"/>
           </a:p>
@@ -8329,7 +8665,7 @@
 </p:sld>
 </file>
 
-<file path=ppt/slides/slide26.xml><?xml version="1.0" encoding="utf-8"?>
+<file path=ppt/slides/slide27.xml><?xml version="1.0" encoding="utf-8"?>
 <p:sld xmlns:a="http://schemas.openxmlformats.org/drawingml/2006/main" xmlns:r="http://schemas.openxmlformats.org/officeDocument/2006/relationships" xmlns:p="http://schemas.openxmlformats.org/presentationml/2006/main">
   <p:cSld>
     <p:spTree>
@@ -8363,7 +8699,7 @@
           <a:p>
             <a:fld id="{987D7693-E132-40A2-A808-4CF056E677D9}" type="slidenum">
               <a:rPr lang="en-US" smtClean="0"/>
-              <a:t>26</a:t>
+              <a:t>27</a:t>
             </a:fld>
             <a:endParaRPr lang="en-US" dirty="0"/>
           </a:p>
@@ -8428,7 +8764,7 @@
 </p:sld>
 </file>
 
-<file path=ppt/slides/slide27.xml><?xml version="1.0" encoding="utf-8"?>
+<file path=ppt/slides/slide28.xml><?xml version="1.0" encoding="utf-8"?>
 <p:sld xmlns:a="http://schemas.openxmlformats.org/drawingml/2006/main" xmlns:r="http://schemas.openxmlformats.org/officeDocument/2006/relationships" xmlns:p="http://schemas.openxmlformats.org/presentationml/2006/main">
   <p:cSld>
     <p:spTree>
@@ -8506,7 +8842,7 @@
           <a:p>
             <a:fld id="{987D7693-E132-40A2-A808-4CF056E677D9}" type="slidenum">
               <a:rPr lang="en-US" smtClean="0"/>
-              <a:t>27</a:t>
+              <a:t>28</a:t>
             </a:fld>
             <a:endParaRPr lang="en-US" dirty="0"/>
           </a:p>
